--- a/asset/ppt/ch08_tree.pptx
+++ b/asset/ppt/ch08_tree.pptx
@@ -5,8 +5,9 @@
     <p:sldMasterId id="2147483648" r:id="rId1"/>
   </p:sldMasterIdLst>
   <p:sldIdLst>
-    <p:sldId id="257" r:id="rId2"/>
-    <p:sldId id="258" r:id="rId3"/>
+    <p:sldId id="259" r:id="rId2"/>
+    <p:sldId id="260" r:id="rId3"/>
+    <p:sldId id="257" r:id="rId4"/>
   </p:sldIdLst>
   <p:sldSz cx="12192000" cy="6858000"/>
   <p:notesSz cx="6858000" cy="9144000"/>
@@ -260,7 +261,7 @@
           <a:p>
             <a:fld id="{89851C12-1240-5B46-BD94-A3C3FBB79758}" type="datetimeFigureOut">
               <a:rPr kumimoji="1" lang="zh-TW" altLang="en-US" smtClean="0"/>
-              <a:t>2026/1/27</a:t>
+              <a:t>2026/1/30</a:t>
             </a:fld>
             <a:endParaRPr kumimoji="1" lang="zh-TW" altLang="en-US"/>
           </a:p>
@@ -458,7 +459,7 @@
           <a:p>
             <a:fld id="{89851C12-1240-5B46-BD94-A3C3FBB79758}" type="datetimeFigureOut">
               <a:rPr kumimoji="1" lang="zh-TW" altLang="en-US" smtClean="0"/>
-              <a:t>2026/1/27</a:t>
+              <a:t>2026/1/30</a:t>
             </a:fld>
             <a:endParaRPr kumimoji="1" lang="zh-TW" altLang="en-US"/>
           </a:p>
@@ -666,7 +667,7 @@
           <a:p>
             <a:fld id="{89851C12-1240-5B46-BD94-A3C3FBB79758}" type="datetimeFigureOut">
               <a:rPr kumimoji="1" lang="zh-TW" altLang="en-US" smtClean="0"/>
-              <a:t>2026/1/27</a:t>
+              <a:t>2026/1/30</a:t>
             </a:fld>
             <a:endParaRPr kumimoji="1" lang="zh-TW" altLang="en-US"/>
           </a:p>
@@ -864,7 +865,7 @@
           <a:p>
             <a:fld id="{89851C12-1240-5B46-BD94-A3C3FBB79758}" type="datetimeFigureOut">
               <a:rPr kumimoji="1" lang="zh-TW" altLang="en-US" smtClean="0"/>
-              <a:t>2026/1/27</a:t>
+              <a:t>2026/1/30</a:t>
             </a:fld>
             <a:endParaRPr kumimoji="1" lang="zh-TW" altLang="en-US"/>
           </a:p>
@@ -1139,7 +1140,7 @@
           <a:p>
             <a:fld id="{89851C12-1240-5B46-BD94-A3C3FBB79758}" type="datetimeFigureOut">
               <a:rPr kumimoji="1" lang="zh-TW" altLang="en-US" smtClean="0"/>
-              <a:t>2026/1/27</a:t>
+              <a:t>2026/1/30</a:t>
             </a:fld>
             <a:endParaRPr kumimoji="1" lang="zh-TW" altLang="en-US"/>
           </a:p>
@@ -1404,7 +1405,7 @@
           <a:p>
             <a:fld id="{89851C12-1240-5B46-BD94-A3C3FBB79758}" type="datetimeFigureOut">
               <a:rPr kumimoji="1" lang="zh-TW" altLang="en-US" smtClean="0"/>
-              <a:t>2026/1/27</a:t>
+              <a:t>2026/1/30</a:t>
             </a:fld>
             <a:endParaRPr kumimoji="1" lang="zh-TW" altLang="en-US"/>
           </a:p>
@@ -1816,7 +1817,7 @@
           <a:p>
             <a:fld id="{89851C12-1240-5B46-BD94-A3C3FBB79758}" type="datetimeFigureOut">
               <a:rPr kumimoji="1" lang="zh-TW" altLang="en-US" smtClean="0"/>
-              <a:t>2026/1/27</a:t>
+              <a:t>2026/1/30</a:t>
             </a:fld>
             <a:endParaRPr kumimoji="1" lang="zh-TW" altLang="en-US"/>
           </a:p>
@@ -1957,7 +1958,7 @@
           <a:p>
             <a:fld id="{89851C12-1240-5B46-BD94-A3C3FBB79758}" type="datetimeFigureOut">
               <a:rPr kumimoji="1" lang="zh-TW" altLang="en-US" smtClean="0"/>
-              <a:t>2026/1/27</a:t>
+              <a:t>2026/1/30</a:t>
             </a:fld>
             <a:endParaRPr kumimoji="1" lang="zh-TW" altLang="en-US"/>
           </a:p>
@@ -2070,7 +2071,7 @@
           <a:p>
             <a:fld id="{89851C12-1240-5B46-BD94-A3C3FBB79758}" type="datetimeFigureOut">
               <a:rPr kumimoji="1" lang="zh-TW" altLang="en-US" smtClean="0"/>
-              <a:t>2026/1/27</a:t>
+              <a:t>2026/1/30</a:t>
             </a:fld>
             <a:endParaRPr kumimoji="1" lang="zh-TW" altLang="en-US"/>
           </a:p>
@@ -2381,7 +2382,7 @@
           <a:p>
             <a:fld id="{89851C12-1240-5B46-BD94-A3C3FBB79758}" type="datetimeFigureOut">
               <a:rPr kumimoji="1" lang="zh-TW" altLang="en-US" smtClean="0"/>
-              <a:t>2026/1/27</a:t>
+              <a:t>2026/1/30</a:t>
             </a:fld>
             <a:endParaRPr kumimoji="1" lang="zh-TW" altLang="en-US"/>
           </a:p>
@@ -2669,7 +2670,7 @@
           <a:p>
             <a:fld id="{89851C12-1240-5B46-BD94-A3C3FBB79758}" type="datetimeFigureOut">
               <a:rPr kumimoji="1" lang="zh-TW" altLang="en-US" smtClean="0"/>
-              <a:t>2026/1/27</a:t>
+              <a:t>2026/1/30</a:t>
             </a:fld>
             <a:endParaRPr kumimoji="1" lang="zh-TW" altLang="en-US"/>
           </a:p>
@@ -2910,7 +2911,7 @@
           <a:p>
             <a:fld id="{89851C12-1240-5B46-BD94-A3C3FBB79758}" type="datetimeFigureOut">
               <a:rPr kumimoji="1" lang="zh-TW" altLang="en-US" smtClean="0"/>
-              <a:t>2026/1/27</a:t>
+              <a:t>2026/1/30</a:t>
             </a:fld>
             <a:endParaRPr kumimoji="1" lang="zh-TW" altLang="en-US"/>
           </a:p>
@@ -3327,6 +3328,1031 @@
           <a:chExt cx="0" cy="0"/>
         </a:xfrm>
       </p:grpSpPr>
+      <p:sp>
+        <p:nvSpPr>
+          <p:cNvPr id="4" name="矩形 3">
+            <a:extLst>
+              <a:ext uri="{FF2B5EF4-FFF2-40B4-BE49-F238E27FC236}">
+                <a16:creationId xmlns:a16="http://schemas.microsoft.com/office/drawing/2014/main" id="{A843311B-F758-437D-7E41-2DB1ADE15C31}"/>
+              </a:ext>
+            </a:extLst>
+          </p:cNvPr>
+          <p:cNvSpPr/>
+          <p:nvPr/>
+        </p:nvSpPr>
+        <p:spPr>
+          <a:xfrm>
+            <a:off x="2336888" y="684473"/>
+            <a:ext cx="3062124" cy="1474111"/>
+          </a:xfrm>
+          <a:prstGeom prst="rect">
+            <a:avLst/>
+          </a:prstGeom>
+          <a:solidFill>
+            <a:schemeClr val="accent2">
+              <a:lumMod val="40000"/>
+              <a:lumOff val="60000"/>
+            </a:schemeClr>
+          </a:solidFill>
+        </p:spPr>
+        <p:style>
+          <a:lnRef idx="2">
+            <a:schemeClr val="accent1">
+              <a:shade val="15000"/>
+            </a:schemeClr>
+          </a:lnRef>
+          <a:fillRef idx="1">
+            <a:schemeClr val="accent1"/>
+          </a:fillRef>
+          <a:effectRef idx="0">
+            <a:schemeClr val="accent1"/>
+          </a:effectRef>
+          <a:fontRef idx="minor">
+            <a:schemeClr val="lt1"/>
+          </a:fontRef>
+        </p:style>
+        <p:txBody>
+          <a:bodyPr rtlCol="0" anchor="ctr"/>
+          <a:lstStyle/>
+          <a:p>
+            <a:pPr algn="ctr"/>
+            <a:r>
+              <a:rPr kumimoji="1" lang="en-US" altLang="zh-TW" sz="1600" b="1" dirty="0" err="1">
+                <a:solidFill>
+                  <a:schemeClr val="tx1"/>
+                </a:solidFill>
+                <a:latin typeface="Courier New" panose="02070309020205020404" pitchFamily="49" charset="0"/>
+                <a:cs typeface="Courier New" panose="02070309020205020404" pitchFamily="49" charset="0"/>
+              </a:rPr>
+              <a:t>GeneralTreeNode</a:t>
+            </a:r>
+            <a:r>
+              <a:rPr kumimoji="1" lang="en-US" altLang="zh-TW" sz="1600" b="1" dirty="0">
+                <a:solidFill>
+                  <a:schemeClr val="tx1"/>
+                </a:solidFill>
+                <a:latin typeface="Courier New" panose="02070309020205020404" pitchFamily="49" charset="0"/>
+                <a:cs typeface="Courier New" panose="02070309020205020404" pitchFamily="49" charset="0"/>
+              </a:rPr>
+              <a:t> </a:t>
+            </a:r>
+          </a:p>
+          <a:p>
+            <a:r>
+              <a:rPr kumimoji="1" lang="en-US" altLang="zh-TW" sz="1400" dirty="0">
+                <a:solidFill>
+                  <a:schemeClr val="tx1"/>
+                </a:solidFill>
+                <a:latin typeface="Courier New" panose="02070309020205020404" pitchFamily="49" charset="0"/>
+                <a:cs typeface="Courier New" panose="02070309020205020404" pitchFamily="49" charset="0"/>
+              </a:rPr>
+              <a:t>Attribute</a:t>
+            </a:r>
+          </a:p>
+          <a:p>
+            <a:r>
+              <a:rPr kumimoji="1" lang="en-US" altLang="zh-TW" sz="1400" dirty="0">
+                <a:solidFill>
+                  <a:schemeClr val="tx1"/>
+                </a:solidFill>
+                <a:latin typeface="Courier New" panose="02070309020205020404" pitchFamily="49" charset="0"/>
+                <a:cs typeface="Courier New" panose="02070309020205020404" pitchFamily="49" charset="0"/>
+              </a:rPr>
+              <a:t>- data</a:t>
+            </a:r>
+          </a:p>
+          <a:p>
+            <a:r>
+              <a:rPr kumimoji="1" lang="en-US" altLang="zh-TW" sz="1400" dirty="0">
+                <a:solidFill>
+                  <a:schemeClr val="tx1"/>
+                </a:solidFill>
+                <a:latin typeface="Courier New" panose="02070309020205020404" pitchFamily="49" charset="0"/>
+                <a:cs typeface="Courier New" panose="02070309020205020404" pitchFamily="49" charset="0"/>
+              </a:rPr>
+              <a:t>- children</a:t>
+            </a:r>
+            <a:endParaRPr kumimoji="1" lang="zh-TW" altLang="en-US" sz="1400" dirty="0">
+              <a:solidFill>
+                <a:schemeClr val="tx1"/>
+              </a:solidFill>
+              <a:latin typeface="Courier New" panose="02070309020205020404" pitchFamily="49" charset="0"/>
+              <a:cs typeface="Courier New" panose="02070309020205020404" pitchFamily="49" charset="0"/>
+            </a:endParaRPr>
+          </a:p>
+        </p:txBody>
+      </p:sp>
+      <p:sp>
+        <p:nvSpPr>
+          <p:cNvPr id="19" name="向右箭號 18">
+            <a:extLst>
+              <a:ext uri="{FF2B5EF4-FFF2-40B4-BE49-F238E27FC236}">
+                <a16:creationId xmlns:a16="http://schemas.microsoft.com/office/drawing/2014/main" id="{98852B0A-32FF-3D64-2D36-1DC77C61D76C}"/>
+              </a:ext>
+            </a:extLst>
+          </p:cNvPr>
+          <p:cNvSpPr/>
+          <p:nvPr/>
+        </p:nvSpPr>
+        <p:spPr>
+          <a:xfrm>
+            <a:off x="5433880" y="1344339"/>
+            <a:ext cx="1440000" cy="252000"/>
+          </a:xfrm>
+          <a:prstGeom prst="rightArrow">
+            <a:avLst/>
+          </a:prstGeom>
+        </p:spPr>
+        <p:style>
+          <a:lnRef idx="2">
+            <a:schemeClr val="accent1">
+              <a:shade val="15000"/>
+            </a:schemeClr>
+          </a:lnRef>
+          <a:fillRef idx="1">
+            <a:schemeClr val="accent1"/>
+          </a:fillRef>
+          <a:effectRef idx="0">
+            <a:schemeClr val="accent1"/>
+          </a:effectRef>
+          <a:fontRef idx="minor">
+            <a:schemeClr val="lt1"/>
+          </a:fontRef>
+        </p:style>
+        <p:txBody>
+          <a:bodyPr rtlCol="0" anchor="ctr"/>
+          <a:lstStyle/>
+          <a:p>
+            <a:pPr algn="ctr"/>
+            <a:endParaRPr kumimoji="1" lang="zh-TW" altLang="en-US" sz="1400" dirty="0">
+              <a:latin typeface="Courier New" panose="02070309020205020404" pitchFamily="49" charset="0"/>
+              <a:cs typeface="Courier New" panose="02070309020205020404" pitchFamily="49" charset="0"/>
+            </a:endParaRPr>
+          </a:p>
+        </p:txBody>
+      </p:sp>
+      <p:sp>
+        <p:nvSpPr>
+          <p:cNvPr id="2" name="矩形 1">
+            <a:extLst>
+              <a:ext uri="{FF2B5EF4-FFF2-40B4-BE49-F238E27FC236}">
+                <a16:creationId xmlns:a16="http://schemas.microsoft.com/office/drawing/2014/main" id="{F5E08F4C-B6D2-F367-EB68-3A04DFC13614}"/>
+              </a:ext>
+            </a:extLst>
+          </p:cNvPr>
+          <p:cNvSpPr/>
+          <p:nvPr/>
+        </p:nvSpPr>
+        <p:spPr>
+          <a:xfrm>
+            <a:off x="2336888" y="2256022"/>
+            <a:ext cx="3062124" cy="1326628"/>
+          </a:xfrm>
+          <a:prstGeom prst="rect">
+            <a:avLst/>
+          </a:prstGeom>
+          <a:solidFill>
+            <a:schemeClr val="accent1"/>
+          </a:solidFill>
+        </p:spPr>
+        <p:style>
+          <a:lnRef idx="2">
+            <a:schemeClr val="accent1">
+              <a:shade val="15000"/>
+            </a:schemeClr>
+          </a:lnRef>
+          <a:fillRef idx="1">
+            <a:schemeClr val="accent1"/>
+          </a:fillRef>
+          <a:effectRef idx="0">
+            <a:schemeClr val="accent1"/>
+          </a:effectRef>
+          <a:fontRef idx="minor">
+            <a:schemeClr val="lt1"/>
+          </a:fontRef>
+        </p:style>
+        <p:txBody>
+          <a:bodyPr rtlCol="0" anchor="ctr"/>
+          <a:lstStyle/>
+          <a:p>
+            <a:pPr algn="ctr">
+              <a:spcAft>
+                <a:spcPts val="600"/>
+              </a:spcAft>
+            </a:pPr>
+            <a:r>
+              <a:rPr kumimoji="1" lang="en-US" altLang="zh-TW" sz="1400" b="1" dirty="0">
+                <a:solidFill>
+                  <a:schemeClr val="bg1"/>
+                </a:solidFill>
+                <a:latin typeface="Courier New" panose="02070309020205020404" pitchFamily="49" charset="0"/>
+                <a:cs typeface="Courier New" panose="02070309020205020404" pitchFamily="49" charset="0"/>
+              </a:rPr>
+              <a:t>Helper Methods</a:t>
+            </a:r>
+          </a:p>
+          <a:p>
+            <a:pPr marL="171450" indent="-171450">
+              <a:buFontTx/>
+              <a:buChar char="-"/>
+            </a:pPr>
+            <a:r>
+              <a:rPr kumimoji="1" lang="en-US" altLang="zh-TW" sz="1400" dirty="0">
+                <a:solidFill>
+                  <a:schemeClr val="bg1"/>
+                </a:solidFill>
+                <a:latin typeface="Courier New" panose="02070309020205020404" pitchFamily="49" charset="0"/>
+                <a:cs typeface="Courier New" panose="02070309020205020404" pitchFamily="49" charset="0"/>
+              </a:rPr>
+              <a:t>__</a:t>
+            </a:r>
+            <a:r>
+              <a:rPr kumimoji="1" lang="en-US" altLang="zh-TW" sz="1400" dirty="0" err="1">
+                <a:solidFill>
+                  <a:schemeClr val="bg1"/>
+                </a:solidFill>
+                <a:latin typeface="Courier New" panose="02070309020205020404" pitchFamily="49" charset="0"/>
+                <a:cs typeface="Courier New" panose="02070309020205020404" pitchFamily="49" charset="0"/>
+              </a:rPr>
+              <a:t>init</a:t>
+            </a:r>
+            <a:r>
+              <a:rPr kumimoji="1" lang="en-US" altLang="zh-TW" sz="1400" dirty="0">
+                <a:solidFill>
+                  <a:schemeClr val="bg1"/>
+                </a:solidFill>
+                <a:latin typeface="Courier New" panose="02070309020205020404" pitchFamily="49" charset="0"/>
+                <a:cs typeface="Courier New" panose="02070309020205020404" pitchFamily="49" charset="0"/>
+              </a:rPr>
+              <a:t>__()</a:t>
+            </a:r>
+          </a:p>
+          <a:p>
+            <a:pPr marL="171450" indent="-171450">
+              <a:buFontTx/>
+              <a:buChar char="-"/>
+            </a:pPr>
+            <a:r>
+              <a:rPr kumimoji="1" lang="en-US" altLang="zh-TW" sz="1400" dirty="0">
+                <a:solidFill>
+                  <a:schemeClr val="bg1"/>
+                </a:solidFill>
+                <a:latin typeface="Courier New" panose="02070309020205020404" pitchFamily="49" charset="0"/>
+                <a:cs typeface="Courier New" panose="02070309020205020404" pitchFamily="49" charset="0"/>
+              </a:rPr>
+              <a:t>__str__()</a:t>
+            </a:r>
+          </a:p>
+        </p:txBody>
+      </p:sp>
+      <p:grpSp>
+        <p:nvGrpSpPr>
+          <p:cNvPr id="25" name="群組 24">
+            <a:extLst>
+              <a:ext uri="{FF2B5EF4-FFF2-40B4-BE49-F238E27FC236}">
+                <a16:creationId xmlns:a16="http://schemas.microsoft.com/office/drawing/2014/main" id="{5081C212-4B76-3F20-3B7A-7615CC9575DE}"/>
+              </a:ext>
+            </a:extLst>
+          </p:cNvPr>
+          <p:cNvGrpSpPr/>
+          <p:nvPr/>
+        </p:nvGrpSpPr>
+        <p:grpSpPr>
+          <a:xfrm>
+            <a:off x="613041" y="947119"/>
+            <a:ext cx="1723847" cy="649220"/>
+            <a:chOff x="8006211" y="2168685"/>
+            <a:chExt cx="1723847" cy="649220"/>
+          </a:xfrm>
+        </p:grpSpPr>
+        <p:sp>
+          <p:nvSpPr>
+            <p:cNvPr id="23" name="向右箭號 22">
+              <a:extLst>
+                <a:ext uri="{FF2B5EF4-FFF2-40B4-BE49-F238E27FC236}">
+                  <a16:creationId xmlns:a16="http://schemas.microsoft.com/office/drawing/2014/main" id="{5F866B30-F7CD-06C2-C06D-CE8DF48C12D5}"/>
+                </a:ext>
+              </a:extLst>
+            </p:cNvPr>
+            <p:cNvSpPr/>
+            <p:nvPr/>
+          </p:nvSpPr>
+          <p:spPr>
+            <a:xfrm>
+              <a:off x="8006211" y="2628588"/>
+              <a:ext cx="1723847" cy="189317"/>
+            </a:xfrm>
+            <a:prstGeom prst="rightArrow">
+              <a:avLst/>
+            </a:prstGeom>
+          </p:spPr>
+          <p:style>
+            <a:lnRef idx="2">
+              <a:schemeClr val="accent1">
+                <a:shade val="15000"/>
+              </a:schemeClr>
+            </a:lnRef>
+            <a:fillRef idx="1">
+              <a:schemeClr val="accent1"/>
+            </a:fillRef>
+            <a:effectRef idx="0">
+              <a:schemeClr val="accent1"/>
+            </a:effectRef>
+            <a:fontRef idx="minor">
+              <a:schemeClr val="lt1"/>
+            </a:fontRef>
+          </p:style>
+          <p:txBody>
+            <a:bodyPr rtlCol="0" anchor="ctr"/>
+            <a:lstStyle/>
+            <a:p>
+              <a:pPr algn="ctr"/>
+              <a:endParaRPr kumimoji="1" lang="zh-TW" altLang="en-US" sz="1400" dirty="0">
+                <a:latin typeface="Courier New" panose="02070309020205020404" pitchFamily="49" charset="0"/>
+                <a:cs typeface="Courier New" panose="02070309020205020404" pitchFamily="49" charset="0"/>
+              </a:endParaRPr>
+            </a:p>
+          </p:txBody>
+        </p:sp>
+        <p:sp>
+          <p:nvSpPr>
+            <p:cNvPr id="24" name="文字方塊 23">
+              <a:extLst>
+                <a:ext uri="{FF2B5EF4-FFF2-40B4-BE49-F238E27FC236}">
+                  <a16:creationId xmlns:a16="http://schemas.microsoft.com/office/drawing/2014/main" id="{A93E15F7-2AEC-001A-0AEB-7B04D1566461}"/>
+                </a:ext>
+              </a:extLst>
+            </p:cNvPr>
+            <p:cNvSpPr txBox="1"/>
+            <p:nvPr/>
+          </p:nvSpPr>
+          <p:spPr>
+            <a:xfrm>
+              <a:off x="8006211" y="2168685"/>
+              <a:ext cx="1575930" cy="523220"/>
+            </a:xfrm>
+            <a:prstGeom prst="rect">
+              <a:avLst/>
+            </a:prstGeom>
+            <a:noFill/>
+          </p:spPr>
+          <p:txBody>
+            <a:bodyPr wrap="square">
+              <a:spAutoFit/>
+            </a:bodyPr>
+            <a:lstStyle/>
+            <a:p>
+              <a:r>
+                <a:rPr kumimoji="1" lang="en-US" altLang="zh-TW" sz="1400" dirty="0" err="1">
+                  <a:latin typeface="Courier New" panose="02070309020205020404" pitchFamily="49" charset="0"/>
+                  <a:cs typeface="Courier New" panose="02070309020205020404" pitchFamily="49" charset="0"/>
+                </a:rPr>
+                <a:t>add_child</a:t>
+              </a:r>
+              <a:r>
+                <a:rPr kumimoji="1" lang="en-US" altLang="zh-TW" sz="1400" dirty="0">
+                  <a:latin typeface="Courier New" panose="02070309020205020404" pitchFamily="49" charset="0"/>
+                  <a:cs typeface="Courier New" panose="02070309020205020404" pitchFamily="49" charset="0"/>
+                </a:rPr>
+                <a:t>()</a:t>
+              </a:r>
+            </a:p>
+            <a:p>
+              <a:r>
+                <a:rPr kumimoji="1" lang="en-US" altLang="zh-TW" sz="1400" dirty="0" err="1">
+                  <a:latin typeface="Courier New" panose="02070309020205020404" pitchFamily="49" charset="0"/>
+                  <a:cs typeface="Courier New" panose="02070309020205020404" pitchFamily="49" charset="0"/>
+                </a:rPr>
+                <a:t>remove_child</a:t>
+              </a:r>
+              <a:r>
+                <a:rPr kumimoji="1" lang="en-US" altLang="zh-TW" sz="1400" dirty="0">
+                  <a:latin typeface="Courier New" panose="02070309020205020404" pitchFamily="49" charset="0"/>
+                  <a:cs typeface="Courier New" panose="02070309020205020404" pitchFamily="49" charset="0"/>
+                </a:rPr>
+                <a:t>()</a:t>
+              </a:r>
+              <a:endParaRPr kumimoji="1" lang="zh-TW" altLang="en-US" sz="1400" dirty="0">
+                <a:latin typeface="Courier New" panose="02070309020205020404" pitchFamily="49" charset="0"/>
+                <a:cs typeface="Courier New" panose="02070309020205020404" pitchFamily="49" charset="0"/>
+              </a:endParaRPr>
+            </a:p>
+          </p:txBody>
+        </p:sp>
+      </p:grpSp>
+    </p:spTree>
+    <p:extLst>
+      <p:ext uri="{BB962C8B-B14F-4D97-AF65-F5344CB8AC3E}">
+        <p14:creationId xmlns:p14="http://schemas.microsoft.com/office/powerpoint/2010/main" val="3935843501"/>
+      </p:ext>
+    </p:extLst>
+  </p:cSld>
+  <p:clrMapOvr>
+    <a:masterClrMapping/>
+  </p:clrMapOvr>
+</p:sld>
+</file>
+
+<file path=ppt/slides/slide2.xml><?xml version="1.0" encoding="utf-8"?>
+<p:sld xmlns:a="http://schemas.openxmlformats.org/drawingml/2006/main" xmlns:r="http://schemas.openxmlformats.org/officeDocument/2006/relationships" xmlns:p="http://schemas.openxmlformats.org/presentationml/2006/main">
+  <p:cSld>
+    <p:spTree>
+      <p:nvGrpSpPr>
+        <p:cNvPr id="1" name="">
+          <a:extLst>
+            <a:ext uri="{FF2B5EF4-FFF2-40B4-BE49-F238E27FC236}">
+              <a16:creationId xmlns:a16="http://schemas.microsoft.com/office/drawing/2014/main" id="{6751E8ED-0F06-D8FB-63B6-D001D212AB30}"/>
+            </a:ext>
+          </a:extLst>
+        </p:cNvPr>
+        <p:cNvGrpSpPr/>
+        <p:nvPr/>
+      </p:nvGrpSpPr>
+      <p:grpSpPr>
+        <a:xfrm>
+          <a:off x="0" y="0"/>
+          <a:ext cx="0" cy="0"/>
+          <a:chOff x="0" y="0"/>
+          <a:chExt cx="0" cy="0"/>
+        </a:xfrm>
+      </p:grpSpPr>
+      <p:sp>
+        <p:nvSpPr>
+          <p:cNvPr id="4" name="矩形 3">
+            <a:extLst>
+              <a:ext uri="{FF2B5EF4-FFF2-40B4-BE49-F238E27FC236}">
+                <a16:creationId xmlns:a16="http://schemas.microsoft.com/office/drawing/2014/main" id="{B170C179-2D3F-83C7-14ED-65ACCE32D183}"/>
+              </a:ext>
+            </a:extLst>
+          </p:cNvPr>
+          <p:cNvSpPr/>
+          <p:nvPr/>
+        </p:nvSpPr>
+        <p:spPr>
+          <a:xfrm>
+            <a:off x="4085006" y="794994"/>
+            <a:ext cx="3062124" cy="1867521"/>
+          </a:xfrm>
+          <a:prstGeom prst="rect">
+            <a:avLst/>
+          </a:prstGeom>
+          <a:solidFill>
+            <a:schemeClr val="accent2">
+              <a:lumMod val="40000"/>
+              <a:lumOff val="60000"/>
+            </a:schemeClr>
+          </a:solidFill>
+        </p:spPr>
+        <p:style>
+          <a:lnRef idx="2">
+            <a:schemeClr val="accent1">
+              <a:shade val="15000"/>
+            </a:schemeClr>
+          </a:lnRef>
+          <a:fillRef idx="1">
+            <a:schemeClr val="accent1"/>
+          </a:fillRef>
+          <a:effectRef idx="0">
+            <a:schemeClr val="accent1"/>
+          </a:effectRef>
+          <a:fontRef idx="minor">
+            <a:schemeClr val="lt1"/>
+          </a:fontRef>
+        </p:style>
+        <p:txBody>
+          <a:bodyPr rtlCol="0" anchor="ctr"/>
+          <a:lstStyle/>
+          <a:p>
+            <a:pPr algn="ctr"/>
+            <a:r>
+              <a:rPr kumimoji="1" lang="en-US" altLang="zh-TW" sz="1600" b="1" dirty="0" err="1">
+                <a:solidFill>
+                  <a:schemeClr val="tx1"/>
+                </a:solidFill>
+                <a:latin typeface="Courier New" panose="02070309020205020404" pitchFamily="49" charset="0"/>
+                <a:cs typeface="Courier New" panose="02070309020205020404" pitchFamily="49" charset="0"/>
+              </a:rPr>
+              <a:t>GeneralTree</a:t>
+            </a:r>
+            <a:r>
+              <a:rPr kumimoji="1" lang="en-US" altLang="zh-TW" sz="1600" b="1" dirty="0">
+                <a:solidFill>
+                  <a:schemeClr val="tx1"/>
+                </a:solidFill>
+                <a:latin typeface="Courier New" panose="02070309020205020404" pitchFamily="49" charset="0"/>
+                <a:cs typeface="Courier New" panose="02070309020205020404" pitchFamily="49" charset="0"/>
+              </a:rPr>
+              <a:t> </a:t>
+            </a:r>
+          </a:p>
+          <a:p>
+            <a:r>
+              <a:rPr kumimoji="1" lang="en-US" altLang="zh-TW" sz="1400" dirty="0">
+                <a:solidFill>
+                  <a:schemeClr val="tx1"/>
+                </a:solidFill>
+                <a:latin typeface="Courier New" panose="02070309020205020404" pitchFamily="49" charset="0"/>
+                <a:cs typeface="Courier New" panose="02070309020205020404" pitchFamily="49" charset="0"/>
+              </a:rPr>
+              <a:t>Attribute</a:t>
+            </a:r>
+          </a:p>
+          <a:p>
+            <a:r>
+              <a:rPr kumimoji="1" lang="en-US" altLang="zh-TW" sz="1400" dirty="0">
+                <a:solidFill>
+                  <a:schemeClr val="tx1"/>
+                </a:solidFill>
+                <a:latin typeface="Courier New" panose="02070309020205020404" pitchFamily="49" charset="0"/>
+                <a:cs typeface="Courier New" panose="02070309020205020404" pitchFamily="49" charset="0"/>
+              </a:rPr>
+              <a:t>- root</a:t>
+            </a:r>
+          </a:p>
+        </p:txBody>
+      </p:sp>
+      <p:sp>
+        <p:nvSpPr>
+          <p:cNvPr id="19" name="向右箭號 18">
+            <a:extLst>
+              <a:ext uri="{FF2B5EF4-FFF2-40B4-BE49-F238E27FC236}">
+                <a16:creationId xmlns:a16="http://schemas.microsoft.com/office/drawing/2014/main" id="{C89ADA7E-CF15-F4B7-DA82-CB21A5038FE2}"/>
+              </a:ext>
+            </a:extLst>
+          </p:cNvPr>
+          <p:cNvSpPr/>
+          <p:nvPr/>
+        </p:nvSpPr>
+        <p:spPr>
+          <a:xfrm>
+            <a:off x="7199229" y="2314750"/>
+            <a:ext cx="1800000" cy="360000"/>
+          </a:xfrm>
+          <a:prstGeom prst="rightArrow">
+            <a:avLst/>
+          </a:prstGeom>
+        </p:spPr>
+        <p:style>
+          <a:lnRef idx="2">
+            <a:schemeClr val="accent1">
+              <a:shade val="15000"/>
+            </a:schemeClr>
+          </a:lnRef>
+          <a:fillRef idx="1">
+            <a:schemeClr val="accent1"/>
+          </a:fillRef>
+          <a:effectRef idx="0">
+            <a:schemeClr val="accent1"/>
+          </a:effectRef>
+          <a:fontRef idx="minor">
+            <a:schemeClr val="lt1"/>
+          </a:fontRef>
+        </p:style>
+        <p:txBody>
+          <a:bodyPr rtlCol="0" anchor="ctr"/>
+          <a:lstStyle/>
+          <a:p>
+            <a:pPr algn="ctr"/>
+            <a:endParaRPr kumimoji="1" lang="zh-TW" altLang="en-US" sz="1400" dirty="0">
+              <a:latin typeface="Courier New" panose="02070309020205020404" pitchFamily="49" charset="0"/>
+              <a:cs typeface="Courier New" panose="02070309020205020404" pitchFamily="49" charset="0"/>
+            </a:endParaRPr>
+          </a:p>
+        </p:txBody>
+      </p:sp>
+      <p:sp>
+        <p:nvSpPr>
+          <p:cNvPr id="2" name="矩形 1">
+            <a:extLst>
+              <a:ext uri="{FF2B5EF4-FFF2-40B4-BE49-F238E27FC236}">
+                <a16:creationId xmlns:a16="http://schemas.microsoft.com/office/drawing/2014/main" id="{C2008198-75CB-F8BE-5408-8E1447F7099E}"/>
+              </a:ext>
+            </a:extLst>
+          </p:cNvPr>
+          <p:cNvSpPr/>
+          <p:nvPr/>
+        </p:nvSpPr>
+        <p:spPr>
+          <a:xfrm>
+            <a:off x="4090885" y="2718906"/>
+            <a:ext cx="3062124" cy="1326628"/>
+          </a:xfrm>
+          <a:prstGeom prst="rect">
+            <a:avLst/>
+          </a:prstGeom>
+          <a:solidFill>
+            <a:schemeClr val="accent1"/>
+          </a:solidFill>
+        </p:spPr>
+        <p:style>
+          <a:lnRef idx="2">
+            <a:schemeClr val="accent1">
+              <a:shade val="15000"/>
+            </a:schemeClr>
+          </a:lnRef>
+          <a:fillRef idx="1">
+            <a:schemeClr val="accent1"/>
+          </a:fillRef>
+          <a:effectRef idx="0">
+            <a:schemeClr val="accent1"/>
+          </a:effectRef>
+          <a:fontRef idx="minor">
+            <a:schemeClr val="lt1"/>
+          </a:fontRef>
+        </p:style>
+        <p:txBody>
+          <a:bodyPr rtlCol="0" anchor="ctr"/>
+          <a:lstStyle/>
+          <a:p>
+            <a:pPr algn="ctr">
+              <a:spcAft>
+                <a:spcPts val="600"/>
+              </a:spcAft>
+            </a:pPr>
+            <a:r>
+              <a:rPr kumimoji="1" lang="en-US" altLang="zh-TW" sz="1400" b="1" dirty="0">
+                <a:solidFill>
+                  <a:schemeClr val="bg1"/>
+                </a:solidFill>
+                <a:latin typeface="Courier New" panose="02070309020205020404" pitchFamily="49" charset="0"/>
+                <a:cs typeface="Courier New" panose="02070309020205020404" pitchFamily="49" charset="0"/>
+              </a:rPr>
+              <a:t>Helper Methods</a:t>
+            </a:r>
+          </a:p>
+          <a:p>
+            <a:pPr marL="171450" indent="-171450">
+              <a:buFontTx/>
+              <a:buChar char="-"/>
+            </a:pPr>
+            <a:r>
+              <a:rPr kumimoji="1" lang="en-US" altLang="zh-TW" sz="1400" dirty="0">
+                <a:solidFill>
+                  <a:schemeClr val="bg1"/>
+                </a:solidFill>
+                <a:latin typeface="Courier New" panose="02070309020205020404" pitchFamily="49" charset="0"/>
+                <a:cs typeface="Courier New" panose="02070309020205020404" pitchFamily="49" charset="0"/>
+              </a:rPr>
+              <a:t>__</a:t>
+            </a:r>
+            <a:r>
+              <a:rPr kumimoji="1" lang="en-US" altLang="zh-TW" sz="1400" dirty="0" err="1">
+                <a:solidFill>
+                  <a:schemeClr val="bg1"/>
+                </a:solidFill>
+                <a:latin typeface="Courier New" panose="02070309020205020404" pitchFamily="49" charset="0"/>
+                <a:cs typeface="Courier New" panose="02070309020205020404" pitchFamily="49" charset="0"/>
+              </a:rPr>
+              <a:t>init</a:t>
+            </a:r>
+            <a:r>
+              <a:rPr kumimoji="1" lang="en-US" altLang="zh-TW" sz="1400" dirty="0">
+                <a:solidFill>
+                  <a:schemeClr val="bg1"/>
+                </a:solidFill>
+                <a:latin typeface="Courier New" panose="02070309020205020404" pitchFamily="49" charset="0"/>
+                <a:cs typeface="Courier New" panose="02070309020205020404" pitchFamily="49" charset="0"/>
+              </a:rPr>
+              <a:t>__()</a:t>
+            </a:r>
+          </a:p>
+          <a:p>
+            <a:pPr marL="171450" indent="-171450">
+              <a:buFontTx/>
+              <a:buChar char="-"/>
+            </a:pPr>
+            <a:r>
+              <a:rPr kumimoji="1" lang="en-US" altLang="zh-TW" sz="1400" dirty="0">
+                <a:solidFill>
+                  <a:schemeClr val="bg1"/>
+                </a:solidFill>
+                <a:latin typeface="Courier New" panose="02070309020205020404" pitchFamily="49" charset="0"/>
+                <a:cs typeface="Courier New" panose="02070309020205020404" pitchFamily="49" charset="0"/>
+              </a:rPr>
+              <a:t>__</a:t>
+            </a:r>
+            <a:r>
+              <a:rPr kumimoji="1" lang="en-US" altLang="zh-TW" sz="1400" dirty="0" err="1">
+                <a:solidFill>
+                  <a:schemeClr val="bg1"/>
+                </a:solidFill>
+                <a:latin typeface="Courier New" panose="02070309020205020404" pitchFamily="49" charset="0"/>
+                <a:cs typeface="Courier New" panose="02070309020205020404" pitchFamily="49" charset="0"/>
+              </a:rPr>
+              <a:t>len</a:t>
+            </a:r>
+            <a:r>
+              <a:rPr kumimoji="1" lang="en-US" altLang="zh-TW" sz="1400" dirty="0">
+                <a:solidFill>
+                  <a:schemeClr val="bg1"/>
+                </a:solidFill>
+                <a:latin typeface="Courier New" panose="02070309020205020404" pitchFamily="49" charset="0"/>
+                <a:cs typeface="Courier New" panose="02070309020205020404" pitchFamily="49" charset="0"/>
+              </a:rPr>
+              <a:t>__()</a:t>
+            </a:r>
+          </a:p>
+          <a:p>
+            <a:pPr marL="171450" indent="-171450">
+              <a:buFontTx/>
+              <a:buChar char="-"/>
+            </a:pPr>
+            <a:r>
+              <a:rPr kumimoji="1" lang="en-US" altLang="zh-TW" sz="1400" dirty="0">
+                <a:solidFill>
+                  <a:schemeClr val="bg1"/>
+                </a:solidFill>
+                <a:latin typeface="Courier New" panose="02070309020205020404" pitchFamily="49" charset="0"/>
+                <a:cs typeface="Courier New" panose="02070309020205020404" pitchFamily="49" charset="0"/>
+              </a:rPr>
+              <a:t>__str__()</a:t>
+            </a:r>
+          </a:p>
+        </p:txBody>
+      </p:sp>
+      <p:sp>
+        <p:nvSpPr>
+          <p:cNvPr id="10" name="文字方塊 9">
+            <a:extLst>
+              <a:ext uri="{FF2B5EF4-FFF2-40B4-BE49-F238E27FC236}">
+                <a16:creationId xmlns:a16="http://schemas.microsoft.com/office/drawing/2014/main" id="{005860A7-C728-6CA1-C28D-0487DA63842C}"/>
+              </a:ext>
+            </a:extLst>
+          </p:cNvPr>
+          <p:cNvSpPr txBox="1"/>
+          <p:nvPr/>
+        </p:nvSpPr>
+        <p:spPr>
+          <a:xfrm>
+            <a:off x="7174024" y="794994"/>
+            <a:ext cx="2897823" cy="1600438"/>
+          </a:xfrm>
+          <a:prstGeom prst="rect">
+            <a:avLst/>
+          </a:prstGeom>
+          <a:noFill/>
+        </p:spPr>
+        <p:txBody>
+          <a:bodyPr wrap="square">
+            <a:spAutoFit/>
+          </a:bodyPr>
+          <a:lstStyle/>
+          <a:p>
+            <a:r>
+              <a:rPr kumimoji="1" lang="en-US" altLang="zh-TW" sz="1400" dirty="0" err="1">
+                <a:latin typeface="Courier New" panose="02070309020205020404" pitchFamily="49" charset="0"/>
+                <a:cs typeface="Courier New" panose="02070309020205020404" pitchFamily="49" charset="0"/>
+              </a:rPr>
+              <a:t>traverse_preorder</a:t>
+            </a:r>
+            <a:r>
+              <a:rPr kumimoji="1" lang="en-US" altLang="zh-TW" sz="1400" dirty="0">
+                <a:latin typeface="Courier New" panose="02070309020205020404" pitchFamily="49" charset="0"/>
+                <a:cs typeface="Courier New" panose="02070309020205020404" pitchFamily="49" charset="0"/>
+              </a:rPr>
+              <a:t>()</a:t>
+            </a:r>
+          </a:p>
+          <a:p>
+            <a:r>
+              <a:rPr kumimoji="1" lang="en-US" altLang="zh-TW" sz="1400" dirty="0" err="1">
+                <a:latin typeface="Courier New" panose="02070309020205020404" pitchFamily="49" charset="0"/>
+                <a:cs typeface="Courier New" panose="02070309020205020404" pitchFamily="49" charset="0"/>
+              </a:rPr>
+              <a:t>traverse_postorder</a:t>
+            </a:r>
+            <a:r>
+              <a:rPr kumimoji="1" lang="en-US" altLang="zh-TW" sz="1400" dirty="0">
+                <a:latin typeface="Courier New" panose="02070309020205020404" pitchFamily="49" charset="0"/>
+                <a:cs typeface="Courier New" panose="02070309020205020404" pitchFamily="49" charset="0"/>
+              </a:rPr>
+              <a:t>()</a:t>
+            </a:r>
+          </a:p>
+          <a:p>
+            <a:r>
+              <a:rPr kumimoji="1" lang="en-US" altLang="zh-TW" sz="1400" dirty="0" err="1">
+                <a:latin typeface="Courier New" panose="02070309020205020404" pitchFamily="49" charset="0"/>
+                <a:cs typeface="Courier New" panose="02070309020205020404" pitchFamily="49" charset="0"/>
+              </a:rPr>
+              <a:t>traverse_level_order</a:t>
+            </a:r>
+            <a:r>
+              <a:rPr kumimoji="1" lang="en-US" altLang="zh-TW" sz="1400" dirty="0">
+                <a:latin typeface="Courier New" panose="02070309020205020404" pitchFamily="49" charset="0"/>
+                <a:cs typeface="Courier New" panose="02070309020205020404" pitchFamily="49" charset="0"/>
+              </a:rPr>
+              <a:t>()</a:t>
+            </a:r>
+          </a:p>
+          <a:p>
+            <a:r>
+              <a:rPr kumimoji="1" lang="en-US" altLang="zh-TW" sz="1400" dirty="0" err="1">
+                <a:latin typeface="Courier New" panose="02070309020205020404" pitchFamily="49" charset="0"/>
+                <a:cs typeface="Courier New" panose="02070309020205020404" pitchFamily="49" charset="0"/>
+              </a:rPr>
+              <a:t>is_empty</a:t>
+            </a:r>
+            <a:r>
+              <a:rPr kumimoji="1" lang="en-US" altLang="zh-TW" sz="1400" dirty="0">
+                <a:latin typeface="Courier New" panose="02070309020205020404" pitchFamily="49" charset="0"/>
+                <a:cs typeface="Courier New" panose="02070309020205020404" pitchFamily="49" charset="0"/>
+              </a:rPr>
+              <a:t>()</a:t>
+            </a:r>
+          </a:p>
+          <a:p>
+            <a:r>
+              <a:rPr kumimoji="1" lang="en-US" altLang="zh-TW" sz="1400" dirty="0">
+                <a:latin typeface="Courier New" panose="02070309020205020404" pitchFamily="49" charset="0"/>
+                <a:cs typeface="Courier New" panose="02070309020205020404" pitchFamily="49" charset="0"/>
+              </a:rPr>
+              <a:t>search(value)</a:t>
+            </a:r>
+          </a:p>
+          <a:p>
+            <a:r>
+              <a:rPr kumimoji="1" lang="en-US" altLang="zh-TW" sz="1400" dirty="0">
+                <a:latin typeface="Courier New" panose="02070309020205020404" pitchFamily="49" charset="0"/>
+                <a:cs typeface="Courier New" panose="02070309020205020404" pitchFamily="49" charset="0"/>
+              </a:rPr>
+              <a:t>height()</a:t>
+            </a:r>
+          </a:p>
+          <a:p>
+            <a:r>
+              <a:rPr kumimoji="1" lang="en-US" altLang="zh-TW" sz="1400" dirty="0" err="1">
+                <a:latin typeface="Courier New" panose="02070309020205020404" pitchFamily="49" charset="0"/>
+                <a:cs typeface="Courier New" panose="02070309020205020404" pitchFamily="49" charset="0"/>
+              </a:rPr>
+              <a:t>get_root</a:t>
+            </a:r>
+            <a:r>
+              <a:rPr kumimoji="1" lang="en-US" altLang="zh-TW" sz="1400" dirty="0">
+                <a:latin typeface="Courier New" panose="02070309020205020404" pitchFamily="49" charset="0"/>
+                <a:cs typeface="Courier New" panose="02070309020205020404" pitchFamily="49" charset="0"/>
+              </a:rPr>
+              <a:t>()</a:t>
+            </a:r>
+          </a:p>
+        </p:txBody>
+      </p:sp>
+      <p:sp>
+        <p:nvSpPr>
+          <p:cNvPr id="23" name="向右箭號 22">
+            <a:extLst>
+              <a:ext uri="{FF2B5EF4-FFF2-40B4-BE49-F238E27FC236}">
+                <a16:creationId xmlns:a16="http://schemas.microsoft.com/office/drawing/2014/main" id="{29C73F89-DD87-34BD-04ED-8B782F750F27}"/>
+              </a:ext>
+            </a:extLst>
+          </p:cNvPr>
+          <p:cNvSpPr/>
+          <p:nvPr/>
+        </p:nvSpPr>
+        <p:spPr>
+          <a:xfrm>
+            <a:off x="2258112" y="2314750"/>
+            <a:ext cx="1800000" cy="360000"/>
+          </a:xfrm>
+          <a:prstGeom prst="rightArrow">
+            <a:avLst/>
+          </a:prstGeom>
+        </p:spPr>
+        <p:style>
+          <a:lnRef idx="2">
+            <a:schemeClr val="accent1">
+              <a:shade val="15000"/>
+            </a:schemeClr>
+          </a:lnRef>
+          <a:fillRef idx="1">
+            <a:schemeClr val="accent1"/>
+          </a:fillRef>
+          <a:effectRef idx="0">
+            <a:schemeClr val="accent1"/>
+          </a:effectRef>
+          <a:fontRef idx="minor">
+            <a:schemeClr val="lt1"/>
+          </a:fontRef>
+        </p:style>
+        <p:txBody>
+          <a:bodyPr rtlCol="0" anchor="ctr"/>
+          <a:lstStyle/>
+          <a:p>
+            <a:pPr algn="ctr"/>
+            <a:endParaRPr kumimoji="1" lang="zh-TW" altLang="en-US" sz="1400" dirty="0">
+              <a:latin typeface="Courier New" panose="02070309020205020404" pitchFamily="49" charset="0"/>
+              <a:cs typeface="Courier New" panose="02070309020205020404" pitchFamily="49" charset="0"/>
+            </a:endParaRPr>
+          </a:p>
+        </p:txBody>
+      </p:sp>
+      <p:sp>
+        <p:nvSpPr>
+          <p:cNvPr id="24" name="文字方塊 23">
+            <a:extLst>
+              <a:ext uri="{FF2B5EF4-FFF2-40B4-BE49-F238E27FC236}">
+                <a16:creationId xmlns:a16="http://schemas.microsoft.com/office/drawing/2014/main" id="{E5B6A933-982E-4EFB-3EC6-9D3363C1B89B}"/>
+              </a:ext>
+            </a:extLst>
+          </p:cNvPr>
+          <p:cNvSpPr txBox="1"/>
+          <p:nvPr/>
+        </p:nvSpPr>
+        <p:spPr>
+          <a:xfrm>
+            <a:off x="2232907" y="1656768"/>
+            <a:ext cx="1800000" cy="738664"/>
+          </a:xfrm>
+          <a:prstGeom prst="rect">
+            <a:avLst/>
+          </a:prstGeom>
+          <a:noFill/>
+        </p:spPr>
+        <p:txBody>
+          <a:bodyPr wrap="square">
+            <a:spAutoFit/>
+          </a:bodyPr>
+          <a:lstStyle/>
+          <a:p>
+            <a:r>
+              <a:rPr kumimoji="1" lang="en-US" altLang="zh-TW" sz="1400" dirty="0" err="1">
+                <a:latin typeface="Courier New" panose="02070309020205020404" pitchFamily="49" charset="0"/>
+                <a:cs typeface="Courier New" panose="02070309020205020404" pitchFamily="49" charset="0"/>
+              </a:rPr>
+              <a:t>set_root</a:t>
+            </a:r>
+            <a:r>
+              <a:rPr kumimoji="1" lang="en-US" altLang="zh-TW" sz="1400" dirty="0">
+                <a:latin typeface="Courier New" panose="02070309020205020404" pitchFamily="49" charset="0"/>
+                <a:cs typeface="Courier New" panose="02070309020205020404" pitchFamily="49" charset="0"/>
+              </a:rPr>
+              <a:t>()</a:t>
+            </a:r>
+          </a:p>
+          <a:p>
+            <a:r>
+              <a:rPr kumimoji="1" lang="en-US" altLang="zh-TW" sz="1400" dirty="0" err="1">
+                <a:latin typeface="Courier New" panose="02070309020205020404" pitchFamily="49" charset="0"/>
+                <a:cs typeface="Courier New" panose="02070309020205020404" pitchFamily="49" charset="0"/>
+              </a:rPr>
+              <a:t>insert_child</a:t>
+            </a:r>
+            <a:r>
+              <a:rPr kumimoji="1" lang="en-US" altLang="zh-TW" sz="1400" dirty="0">
+                <a:latin typeface="Courier New" panose="02070309020205020404" pitchFamily="49" charset="0"/>
+                <a:cs typeface="Courier New" panose="02070309020205020404" pitchFamily="49" charset="0"/>
+              </a:rPr>
+              <a:t>()</a:t>
+            </a:r>
+          </a:p>
+          <a:p>
+            <a:r>
+              <a:rPr kumimoji="1" lang="en-US" altLang="zh-TW" sz="1400" dirty="0" err="1">
+                <a:latin typeface="Courier New" panose="02070309020205020404" pitchFamily="49" charset="0"/>
+                <a:cs typeface="Courier New" panose="02070309020205020404" pitchFamily="49" charset="0"/>
+              </a:rPr>
+              <a:t>delete_child</a:t>
+            </a:r>
+            <a:r>
+              <a:rPr kumimoji="1" lang="en-US" altLang="zh-TW" sz="1400" dirty="0">
+                <a:latin typeface="Courier New" panose="02070309020205020404" pitchFamily="49" charset="0"/>
+                <a:cs typeface="Courier New" panose="02070309020205020404" pitchFamily="49" charset="0"/>
+              </a:rPr>
+              <a:t>()</a:t>
+            </a:r>
+          </a:p>
+        </p:txBody>
+      </p:sp>
+    </p:spTree>
+    <p:extLst>
+      <p:ext uri="{BB962C8B-B14F-4D97-AF65-F5344CB8AC3E}">
+        <p14:creationId xmlns:p14="http://schemas.microsoft.com/office/powerpoint/2010/main" val="1028848881"/>
+      </p:ext>
+    </p:extLst>
+  </p:cSld>
+  <p:clrMapOvr>
+    <a:masterClrMapping/>
+  </p:clrMapOvr>
+</p:sld>
+</file>
+
+<file path=ppt/slides/slide3.xml><?xml version="1.0" encoding="utf-8"?>
+<p:sld xmlns:a="http://schemas.openxmlformats.org/drawingml/2006/main" xmlns:r="http://schemas.openxmlformats.org/officeDocument/2006/relationships" xmlns:p="http://schemas.openxmlformats.org/presentationml/2006/main">
+  <p:cSld>
+    <p:spTree>
+      <p:nvGrpSpPr>
+        <p:cNvPr id="1" name=""/>
+        <p:cNvGrpSpPr/>
+        <p:nvPr/>
+      </p:nvGrpSpPr>
+      <p:grpSpPr>
+        <a:xfrm>
+          <a:off x="0" y="0"/>
+          <a:ext cx="0" cy="0"/>
+          <a:chOff x="0" y="0"/>
+          <a:chExt cx="0" cy="0"/>
+        </a:xfrm>
+      </p:grpSpPr>
       <p:pic>
         <p:nvPicPr>
           <p:cNvPr id="1026" name="Picture 2">
@@ -3378,36 +4404,6 @@
     <p:extLst>
       <p:ext uri="{BB962C8B-B14F-4D97-AF65-F5344CB8AC3E}">
         <p14:creationId xmlns:p14="http://schemas.microsoft.com/office/powerpoint/2010/main" val="3588726358"/>
-      </p:ext>
-    </p:extLst>
-  </p:cSld>
-  <p:clrMapOvr>
-    <a:masterClrMapping/>
-  </p:clrMapOvr>
-</p:sld>
-</file>
-
-<file path=ppt/slides/slide2.xml><?xml version="1.0" encoding="utf-8"?>
-<p:sld xmlns:a="http://schemas.openxmlformats.org/drawingml/2006/main" xmlns:r="http://schemas.openxmlformats.org/officeDocument/2006/relationships" xmlns:p="http://schemas.openxmlformats.org/presentationml/2006/main">
-  <p:cSld>
-    <p:spTree>
-      <p:nvGrpSpPr>
-        <p:cNvPr id="1" name=""/>
-        <p:cNvGrpSpPr/>
-        <p:nvPr/>
-      </p:nvGrpSpPr>
-      <p:grpSpPr>
-        <a:xfrm>
-          <a:off x="0" y="0"/>
-          <a:ext cx="0" cy="0"/>
-          <a:chOff x="0" y="0"/>
-          <a:chExt cx="0" cy="0"/>
-        </a:xfrm>
-      </p:grpSpPr>
-    </p:spTree>
-    <p:extLst>
-      <p:ext uri="{BB962C8B-B14F-4D97-AF65-F5344CB8AC3E}">
-        <p14:creationId xmlns:p14="http://schemas.microsoft.com/office/powerpoint/2010/main" val="535154458"/>
       </p:ext>
     </p:extLst>
   </p:cSld>
